--- a/高级计算机网络/小组pre/边缘计算技术研究综述.pptx
+++ b/高级计算机网络/小组pre/边缘计算技术研究综述.pptx
@@ -19,15 +19,19 @@
     <p:sldId id="337" r:id="rId12"/>
     <p:sldId id="338" r:id="rId13"/>
     <p:sldId id="339" r:id="rId14"/>
-    <p:sldId id="340" r:id="rId15"/>
-    <p:sldId id="341" r:id="rId16"/>
-    <p:sldId id="342" r:id="rId17"/>
-    <p:sldId id="343" r:id="rId18"/>
-    <p:sldId id="344" r:id="rId19"/>
-    <p:sldId id="292" r:id="rId20"/>
+    <p:sldId id="347" r:id="rId15"/>
+    <p:sldId id="340" r:id="rId16"/>
+    <p:sldId id="341" r:id="rId17"/>
+    <p:sldId id="342" r:id="rId18"/>
+    <p:sldId id="343" r:id="rId19"/>
+    <p:sldId id="344" r:id="rId20"/>
+    <p:sldId id="292" r:id="rId21"/>
   </p:sldIdLst>
   <p:sldSz cx="12192000" cy="6858000"/>
   <p:notesSz cx="6858000" cy="9144000"/>
+  <p:custDataLst>
+    <p:tags r:id="rId26"/>
+  </p:custDataLst>
   <p:defaultTextStyle>
     <a:defPPr>
       <a:defRPr lang="zh-CN"/>
@@ -1104,6 +1108,84 @@
 </file>
 
 <file path=ppt/notesSlides/notesSlide17.xml><?xml version="1.0" encoding="utf-8"?>
+<p:notes xmlns:a="http://schemas.openxmlformats.org/drawingml/2006/main" xmlns:r="http://schemas.openxmlformats.org/officeDocument/2006/relationships" xmlns:p="http://schemas.openxmlformats.org/presentationml/2006/main">
+  <p:cSld>
+    <p:spTree>
+      <p:nvGrpSpPr>
+        <p:cNvPr id="1" name=""/>
+        <p:cNvGrpSpPr/>
+        <p:nvPr/>
+      </p:nvGrpSpPr>
+      <p:grpSpPr>
+        <a:xfrm>
+          <a:off x="0" y="0"/>
+          <a:ext cx="0" cy="0"/>
+          <a:chOff x="0" y="0"/>
+          <a:chExt cx="0" cy="0"/>
+        </a:xfrm>
+      </p:grpSpPr>
+      <p:sp>
+        <p:nvSpPr>
+          <p:cNvPr id="2" name="幻灯片图像占位符 1"/>
+          <p:cNvSpPr>
+            <a:spLocks noGrp="1" noRot="1" noChangeAspect="1"/>
+          </p:cNvSpPr>
+          <p:nvPr>
+            <p:ph type="sldImg"/>
+          </p:nvPr>
+        </p:nvSpPr>
+        <p:spPr/>
+      </p:sp>
+      <p:sp>
+        <p:nvSpPr>
+          <p:cNvPr id="3" name="备注占位符 2"/>
+          <p:cNvSpPr>
+            <a:spLocks noGrp="1"/>
+          </p:cNvSpPr>
+          <p:nvPr>
+            <p:ph type="body" idx="1"/>
+          </p:nvPr>
+        </p:nvSpPr>
+        <p:spPr/>
+        <p:txBody>
+          <a:bodyPr/>
+          <a:lstStyle/>
+          <a:p>
+            <a:endParaRPr lang="zh-CN" altLang="en-US"/>
+          </a:p>
+        </p:txBody>
+      </p:sp>
+      <p:sp>
+        <p:nvSpPr>
+          <p:cNvPr id="4" name="灯片编号占位符 3"/>
+          <p:cNvSpPr>
+            <a:spLocks noGrp="1"/>
+          </p:cNvSpPr>
+          <p:nvPr>
+            <p:ph type="sldNum" sz="quarter" idx="10"/>
+          </p:nvPr>
+        </p:nvSpPr>
+        <p:spPr/>
+        <p:txBody>
+          <a:bodyPr/>
+          <a:lstStyle/>
+          <a:p>
+            <a:fld id="{0E21FD59-C920-460C-B1C9-0346C59420B0}" type="slidenum">
+              <a:rPr lang="zh-CN" altLang="en-US" smtClean="0"/>
+            </a:fld>
+            <a:endParaRPr lang="zh-CN" altLang="en-US"/>
+          </a:p>
+        </p:txBody>
+      </p:sp>
+    </p:spTree>
+  </p:cSld>
+  <p:clrMapOvr>
+    <a:masterClrMapping/>
+  </p:clrMapOvr>
+</p:notes>
+</file>
+
+<file path=ppt/notesSlides/notesSlide18.xml><?xml version="1.0" encoding="utf-8"?>
 <p:notes xmlns:a="http://schemas.openxmlformats.org/drawingml/2006/main" xmlns:r="http://schemas.openxmlformats.org/officeDocument/2006/relationships" xmlns:p="http://schemas.openxmlformats.org/presentationml/2006/main">
   <p:cSld>
     <p:spTree>
@@ -4747,7 +4829,7 @@
         <a:spcBef>
           <a:spcPct val="20000"/>
         </a:spcBef>
-        <a:buFont typeface="Arial" panose="020B0604020202090204" pitchFamily="34" charset="0"/>
+        <a:buFont typeface="Arial" panose="020B0604020202020204" pitchFamily="34" charset="0"/>
         <a:buChar char="•"/>
         <a:defRPr sz="4300" kern="1200">
           <a:solidFill>
@@ -4762,7 +4844,7 @@
         <a:spcBef>
           <a:spcPct val="20000"/>
         </a:spcBef>
-        <a:buFont typeface="Arial" panose="020B0604020202090204" pitchFamily="34" charset="0"/>
+        <a:buFont typeface="Arial" panose="020B0604020202020204" pitchFamily="34" charset="0"/>
         <a:buChar char="–"/>
         <a:defRPr sz="3700" kern="1200">
           <a:solidFill>
@@ -4777,7 +4859,7 @@
         <a:spcBef>
           <a:spcPct val="20000"/>
         </a:spcBef>
-        <a:buFont typeface="Arial" panose="020B0604020202090204" pitchFamily="34" charset="0"/>
+        <a:buFont typeface="Arial" panose="020B0604020202020204" pitchFamily="34" charset="0"/>
         <a:buChar char="•"/>
         <a:defRPr sz="3200" kern="1200">
           <a:solidFill>
@@ -4792,7 +4874,7 @@
         <a:spcBef>
           <a:spcPct val="20000"/>
         </a:spcBef>
-        <a:buFont typeface="Arial" panose="020B0604020202090204" pitchFamily="34" charset="0"/>
+        <a:buFont typeface="Arial" panose="020B0604020202020204" pitchFamily="34" charset="0"/>
         <a:buChar char="–"/>
         <a:defRPr sz="2700" kern="1200">
           <a:solidFill>
@@ -4807,7 +4889,7 @@
         <a:spcBef>
           <a:spcPct val="20000"/>
         </a:spcBef>
-        <a:buFont typeface="Arial" panose="020B0604020202090204" pitchFamily="34" charset="0"/>
+        <a:buFont typeface="Arial" panose="020B0604020202020204" pitchFamily="34" charset="0"/>
         <a:buChar char="»"/>
         <a:defRPr sz="2700" kern="1200">
           <a:solidFill>
@@ -4822,7 +4904,7 @@
         <a:spcBef>
           <a:spcPct val="20000"/>
         </a:spcBef>
-        <a:buFont typeface="Arial" panose="020B0604020202090204" pitchFamily="34" charset="0"/>
+        <a:buFont typeface="Arial" panose="020B0604020202020204" pitchFamily="34" charset="0"/>
         <a:buChar char="•"/>
         <a:defRPr sz="2700" kern="1200">
           <a:solidFill>
@@ -4837,7 +4919,7 @@
         <a:spcBef>
           <a:spcPct val="20000"/>
         </a:spcBef>
-        <a:buFont typeface="Arial" panose="020B0604020202090204" pitchFamily="34" charset="0"/>
+        <a:buFont typeface="Arial" panose="020B0604020202020204" pitchFamily="34" charset="0"/>
         <a:buChar char="•"/>
         <a:defRPr sz="2700" kern="1200">
           <a:solidFill>
@@ -4852,7 +4934,7 @@
         <a:spcBef>
           <a:spcPct val="20000"/>
         </a:spcBef>
-        <a:buFont typeface="Arial" panose="020B0604020202090204" pitchFamily="34" charset="0"/>
+        <a:buFont typeface="Arial" panose="020B0604020202020204" pitchFamily="34" charset="0"/>
         <a:buChar char="•"/>
         <a:defRPr sz="2700" kern="1200">
           <a:solidFill>
@@ -4867,7 +4949,7 @@
         <a:spcBef>
           <a:spcPct val="20000"/>
         </a:spcBef>
-        <a:buFont typeface="Arial" panose="020B0604020202090204" pitchFamily="34" charset="0"/>
+        <a:buFont typeface="Arial" panose="020B0604020202020204" pitchFamily="34" charset="0"/>
         <a:buChar char="•"/>
         <a:defRPr sz="2700" kern="1200">
           <a:solidFill>
@@ -5074,9 +5156,9 @@
                   </a:gsLst>
                   <a:lin ang="16200000" scaled="1"/>
                 </a:gradFill>
-                <a:latin typeface="Arial" panose="020B0604020202090204" pitchFamily="34" charset="0"/>
+                <a:latin typeface="Arial" panose="020B0604020202020204" pitchFamily="34" charset="0"/>
                 <a:ea typeface="微软雅黑" panose="020B0503020204020204" pitchFamily="34" charset="-122"/>
-                <a:cs typeface="Arial" panose="020B0604020202090204" pitchFamily="34" charset="0"/>
+                <a:cs typeface="Arial" panose="020B0604020202020204" pitchFamily="34" charset="0"/>
               </a:defRPr>
             </a:lvl1pPr>
           </a:lstStyle>
@@ -5204,7 +5286,7 @@
               </a:spcAft>
               <a:buChar char="•"/>
               <a:defRPr sz="2400">
-                <a:ea typeface="SimSun" panose="02010600030101010101" pitchFamily="2" charset="-122"/>
+                <a:ea typeface="宋体" panose="02010600030101010101" pitchFamily="2" charset="-122"/>
               </a:defRPr>
             </a:lvl3pPr>
             <a:lvl4pPr marL="1600200" indent="-228600" eaLnBrk="0" fontAlgn="base" hangingPunct="0">
@@ -5216,7 +5298,7 @@
               </a:spcAft>
               <a:buChar char="–"/>
               <a:defRPr sz="2000">
-                <a:ea typeface="SimSun" panose="02010600030101010101" pitchFamily="2" charset="-122"/>
+                <a:ea typeface="宋体" panose="02010600030101010101" pitchFamily="2" charset="-122"/>
               </a:defRPr>
             </a:lvl4pPr>
             <a:lvl5pPr marL="2057400" indent="-228600" eaLnBrk="0" fontAlgn="base" hangingPunct="0">
@@ -5228,7 +5310,7 @@
               </a:spcAft>
               <a:buChar char="»"/>
               <a:defRPr sz="2000">
-                <a:ea typeface="SimSun" panose="02010600030101010101" pitchFamily="2" charset="-122"/>
+                <a:ea typeface="宋体" panose="02010600030101010101" pitchFamily="2" charset="-122"/>
               </a:defRPr>
             </a:lvl5pPr>
             <a:lvl6pPr marL="2514600" indent="-228600" eaLnBrk="0" fontAlgn="base" hangingPunct="0">
@@ -5240,7 +5322,7 @@
               </a:spcAft>
               <a:buChar char="»"/>
               <a:defRPr sz="2000">
-                <a:ea typeface="SimSun" panose="02010600030101010101" pitchFamily="2" charset="-122"/>
+                <a:ea typeface="宋体" panose="02010600030101010101" pitchFamily="2" charset="-122"/>
               </a:defRPr>
             </a:lvl6pPr>
             <a:lvl7pPr marL="2971800" indent="-228600" eaLnBrk="0" fontAlgn="base" hangingPunct="0">
@@ -5252,7 +5334,7 @@
               </a:spcAft>
               <a:buChar char="»"/>
               <a:defRPr sz="2000">
-                <a:ea typeface="SimSun" panose="02010600030101010101" pitchFamily="2" charset="-122"/>
+                <a:ea typeface="宋体" panose="02010600030101010101" pitchFamily="2" charset="-122"/>
               </a:defRPr>
             </a:lvl7pPr>
             <a:lvl8pPr marL="3429000" indent="-228600" eaLnBrk="0" fontAlgn="base" hangingPunct="0">
@@ -5264,7 +5346,7 @@
               </a:spcAft>
               <a:buChar char="»"/>
               <a:defRPr sz="2000">
-                <a:ea typeface="SimSun" panose="02010600030101010101" pitchFamily="2" charset="-122"/>
+                <a:ea typeface="宋体" panose="02010600030101010101" pitchFamily="2" charset="-122"/>
               </a:defRPr>
             </a:lvl8pPr>
             <a:lvl9pPr marL="3886200" indent="-228600" eaLnBrk="0" fontAlgn="base" hangingPunct="0">
@@ -5276,7 +5358,7 @@
               </a:spcAft>
               <a:buChar char="»"/>
               <a:defRPr sz="2000">
-                <a:ea typeface="SimSun" panose="02010600030101010101" pitchFamily="2" charset="-122"/>
+                <a:ea typeface="宋体" panose="02010600030101010101" pitchFamily="2" charset="-122"/>
               </a:defRPr>
             </a:lvl9pPr>
           </a:lstStyle>
@@ -5831,7 +5913,7 @@
           </a:bodyPr>
           <a:p>
             <a:pPr marL="342900" indent="-342900" algn="l">
-              <a:buFont typeface="Arial" panose="020B0604020202090204" pitchFamily="34" charset="0"/>
+              <a:buFont typeface="Arial" panose="020B0604020202020204" pitchFamily="34" charset="0"/>
               <a:buChar char="•"/>
             </a:pPr>
             <a:r>
@@ -5854,14 +5936,14 @@
           </a:p>
           <a:p>
             <a:pPr marL="342900" indent="-342900" algn="l">
-              <a:buFont typeface="Arial" panose="020B0604020202090204" pitchFamily="34" charset="0"/>
+              <a:buFont typeface="Arial" panose="020B0604020202020204" pitchFamily="34" charset="0"/>
               <a:buChar char="•"/>
             </a:pPr>
             <a:endParaRPr sz="2400"/>
           </a:p>
           <a:p>
             <a:pPr marL="342900" indent="-342900" algn="l">
-              <a:buFont typeface="Arial" panose="020B0604020202090204" pitchFamily="34" charset="0"/>
+              <a:buFont typeface="Arial" panose="020B0604020202020204" pitchFamily="34" charset="0"/>
               <a:buChar char="•"/>
             </a:pPr>
             <a:r>
@@ -5876,7 +5958,7 @@
           </a:p>
           <a:p>
             <a:pPr marL="342900" indent="-342900" algn="l">
-              <a:buFont typeface="Arial" panose="020B0604020202090204" pitchFamily="34" charset="0"/>
+              <a:buFont typeface="Arial" panose="020B0604020202020204" pitchFamily="34" charset="0"/>
               <a:buChar char="•"/>
             </a:pPr>
             <a:r>
@@ -5887,7 +5969,7 @@
           </a:p>
           <a:p>
             <a:pPr marL="342900" indent="-342900" algn="l">
-              <a:buFont typeface="Arial" panose="020B0604020202090204" pitchFamily="34" charset="0"/>
+              <a:buFont typeface="Arial" panose="020B0604020202020204" pitchFamily="34" charset="0"/>
               <a:buChar char="•"/>
             </a:pPr>
             <a:r>
@@ -5898,14 +5980,14 @@
           </a:p>
           <a:p>
             <a:pPr marL="342900" indent="-342900" algn="l">
-              <a:buFont typeface="Arial" panose="020B0604020202090204" pitchFamily="34" charset="0"/>
+              <a:buFont typeface="Arial" panose="020B0604020202020204" pitchFamily="34" charset="0"/>
               <a:buChar char="•"/>
             </a:pPr>
             <a:endParaRPr lang="zh-CN" sz="2400"/>
           </a:p>
           <a:p>
             <a:pPr marL="342900" indent="-342900" algn="l">
-              <a:buFont typeface="Arial" panose="020B0604020202090204" pitchFamily="34" charset="0"/>
+              <a:buFont typeface="Arial" panose="020B0604020202020204" pitchFamily="34" charset="0"/>
               <a:buChar char="•"/>
             </a:pPr>
             <a:r>
@@ -5916,7 +5998,7 @@
           </a:p>
           <a:p>
             <a:pPr marL="342900" indent="-342900" algn="l">
-              <a:buFont typeface="Arial" panose="020B0604020202090204" pitchFamily="34" charset="0"/>
+              <a:buFont typeface="Arial" panose="020B0604020202020204" pitchFamily="34" charset="0"/>
               <a:buChar char="•"/>
             </a:pPr>
             <a:r>
@@ -6271,7 +6353,7 @@
           </a:bodyPr>
           <a:p>
             <a:pPr marL="342900" indent="-342900" algn="l">
-              <a:buFont typeface="Arial" panose="020B0604020202090204" pitchFamily="34" charset="0"/>
+              <a:buFont typeface="Arial" panose="020B0604020202020204" pitchFamily="34" charset="0"/>
               <a:buChar char="•"/>
             </a:pPr>
             <a:r>
@@ -6286,14 +6368,14 @@
           </a:p>
           <a:p>
             <a:pPr marL="342900" indent="-342900" algn="l">
-              <a:buFont typeface="Arial" panose="020B0604020202090204" pitchFamily="34" charset="0"/>
+              <a:buFont typeface="Arial" panose="020B0604020202020204" pitchFamily="34" charset="0"/>
               <a:buChar char="•"/>
             </a:pPr>
             <a:endParaRPr sz="2400"/>
           </a:p>
           <a:p>
             <a:pPr marL="342900" indent="-342900" algn="l">
-              <a:buFont typeface="Arial" panose="020B0604020202090204" pitchFamily="34" charset="0"/>
+              <a:buFont typeface="Arial" panose="020B0604020202020204" pitchFamily="34" charset="0"/>
               <a:buChar char="•"/>
             </a:pPr>
             <a:r>
@@ -6308,14 +6390,14 @@
           </a:p>
           <a:p>
             <a:pPr marL="342900" indent="-342900" algn="l">
-              <a:buFont typeface="Arial" panose="020B0604020202090204" pitchFamily="34" charset="0"/>
+              <a:buFont typeface="Arial" panose="020B0604020202020204" pitchFamily="34" charset="0"/>
               <a:buChar char="•"/>
             </a:pPr>
             <a:endParaRPr lang="zh-CN" sz="2400"/>
           </a:p>
           <a:p>
             <a:pPr marL="342900" indent="-342900" algn="l">
-              <a:buFont typeface="Arial" panose="020B0604020202090204" pitchFamily="34" charset="0"/>
+              <a:buFont typeface="Arial" panose="020B0604020202020204" pitchFamily="34" charset="0"/>
               <a:buChar char="•"/>
             </a:pPr>
             <a:r>
@@ -6326,14 +6408,14 @@
           </a:p>
           <a:p>
             <a:pPr marL="342900" indent="-342900" algn="l">
-              <a:buFont typeface="Arial" panose="020B0604020202090204" pitchFamily="34" charset="0"/>
+              <a:buFont typeface="Arial" panose="020B0604020202020204" pitchFamily="34" charset="0"/>
               <a:buChar char="•"/>
             </a:pPr>
             <a:endParaRPr lang="zh-CN" sz="2400"/>
           </a:p>
           <a:p>
             <a:pPr marL="342900" indent="-342900" algn="l">
-              <a:buFont typeface="Arial" panose="020B0604020202090204" pitchFamily="34" charset="0"/>
+              <a:buFont typeface="Arial" panose="020B0604020202020204" pitchFamily="34" charset="0"/>
               <a:buChar char="•"/>
             </a:pPr>
             <a:r>
@@ -6344,7 +6426,7 @@
           </a:p>
           <a:p>
             <a:pPr marL="342900" indent="-342900" algn="l">
-              <a:buFont typeface="Arial" panose="020B0604020202090204" pitchFamily="34" charset="0"/>
+              <a:buFont typeface="Arial" panose="020B0604020202020204" pitchFamily="34" charset="0"/>
               <a:buChar char="•"/>
             </a:pPr>
             <a:endParaRPr lang="zh-CN" sz="2400"/>
@@ -6514,6 +6596,355 @@
         </p:nvSpPr>
         <p:spPr>
           <a:xfrm>
+            <a:off x="1213485" y="171450"/>
+            <a:ext cx="6299835" cy="953135"/>
+          </a:xfrm>
+          <a:prstGeom prst="rect">
+            <a:avLst/>
+          </a:prstGeom>
+          <a:noFill/>
+        </p:spPr>
+        <p:txBody>
+          <a:bodyPr wrap="square" rtlCol="0">
+            <a:spAutoFit/>
+          </a:bodyPr>
+          <a:lstStyle/>
+          <a:p>
+            <a:pPr algn="l"/>
+            <a:r>
+              <a:rPr lang="zh-CN" altLang="en-US" sz="2800" b="1" dirty="0">
+                <a:solidFill>
+                  <a:schemeClr val="tx1">
+                    <a:lumMod val="75000"/>
+                    <a:lumOff val="25000"/>
+                  </a:schemeClr>
+                </a:solidFill>
+                <a:cs typeface="+mn-ea"/>
+                <a:sym typeface="+mn-lt"/>
+              </a:rPr>
+              <a:t>边缘计算发展</a:t>
+            </a:r>
+            <a:r>
+              <a:rPr lang="en-US" altLang="zh-CN" sz="2800" b="1" dirty="0">
+                <a:solidFill>
+                  <a:schemeClr val="tx1">
+                    <a:lumMod val="75000"/>
+                    <a:lumOff val="25000"/>
+                  </a:schemeClr>
+                </a:solidFill>
+                <a:cs typeface="+mn-ea"/>
+                <a:sym typeface="+mn-lt"/>
+              </a:rPr>
+              <a:t>——</a:t>
+            </a:r>
+            <a:r>
+              <a:rPr lang="zh-CN" altLang="en-US" sz="2800" dirty="0">
+                <a:solidFill>
+                  <a:schemeClr val="tx1">
+                    <a:lumMod val="85000"/>
+                    <a:lumOff val="15000"/>
+                  </a:schemeClr>
+                </a:solidFill>
+                <a:cs typeface="+mn-ea"/>
+                <a:sym typeface="+mn-lt"/>
+              </a:rPr>
+              <a:t>我国的发展</a:t>
+            </a:r>
+            <a:endParaRPr lang="zh-CN" altLang="en-US" sz="2800" dirty="0">
+              <a:solidFill>
+                <a:schemeClr val="tx1">
+                  <a:lumMod val="85000"/>
+                  <a:lumOff val="15000"/>
+                </a:schemeClr>
+              </a:solidFill>
+              <a:cs typeface="+mn-ea"/>
+              <a:sym typeface="+mn-lt"/>
+            </a:endParaRPr>
+          </a:p>
+          <a:p>
+            <a:pPr algn="l"/>
+            <a:endParaRPr lang="en-US" altLang="zh-CN" sz="2800" b="1" dirty="0">
+              <a:solidFill>
+                <a:schemeClr val="tx1">
+                  <a:lumMod val="75000"/>
+                  <a:lumOff val="25000"/>
+                </a:schemeClr>
+              </a:solidFill>
+              <a:cs typeface="+mn-ea"/>
+              <a:sym typeface="+mn-lt"/>
+            </a:endParaRPr>
+          </a:p>
+        </p:txBody>
+      </p:sp>
+      <p:sp>
+        <p:nvSpPr>
+          <p:cNvPr id="4" name="TextBox 24"/>
+          <p:cNvSpPr txBox="1"/>
+          <p:nvPr userDrawn="1"/>
+        </p:nvSpPr>
+        <p:spPr>
+          <a:xfrm>
+            <a:off x="76768" y="69779"/>
+            <a:ext cx="1701001" cy="674370"/>
+          </a:xfrm>
+          <a:prstGeom prst="rect">
+            <a:avLst/>
+          </a:prstGeom>
+          <a:noFill/>
+        </p:spPr>
+        <p:txBody>
+          <a:bodyPr wrap="square" lIns="121899" tIns="60949" rIns="121899" bIns="60949" rtlCol="0">
+            <a:spAutoFit/>
+          </a:bodyPr>
+          <a:p>
+            <a:pPr algn="ctr"/>
+            <a:r>
+              <a:rPr lang="en-US" altLang="zh-CN" sz="3600" b="1" spc="-150" dirty="0">
+                <a:solidFill>
+                  <a:schemeClr val="accent1"/>
+                </a:solidFill>
+                <a:effectLst/>
+                <a:latin typeface="Arial Black" panose="020B0A04020102020204" pitchFamily="34" charset="0"/>
+                <a:ea typeface="微软雅黑" panose="020B0503020204020204" pitchFamily="34" charset="-122"/>
+              </a:rPr>
+              <a:t>2</a:t>
+            </a:r>
+            <a:endParaRPr lang="en-US" altLang="zh-CN" sz="3600" b="1" spc="-150" dirty="0">
+              <a:solidFill>
+                <a:schemeClr val="accent1"/>
+              </a:solidFill>
+              <a:effectLst/>
+              <a:latin typeface="Arial Black" panose="020B0A04020102020204" pitchFamily="34" charset="0"/>
+              <a:ea typeface="微软雅黑" panose="020B0503020204020204" pitchFamily="34" charset="-122"/>
+            </a:endParaRPr>
+          </a:p>
+        </p:txBody>
+      </p:sp>
+      <p:sp>
+        <p:nvSpPr>
+          <p:cNvPr id="2" name="Text Box 1"/>
+          <p:cNvSpPr txBox="1"/>
+          <p:nvPr/>
+        </p:nvSpPr>
+        <p:spPr>
+          <a:xfrm>
+            <a:off x="1048385" y="1197610"/>
+            <a:ext cx="9606915" cy="5262245"/>
+          </a:xfrm>
+          <a:prstGeom prst="rect">
+            <a:avLst/>
+          </a:prstGeom>
+          <a:noFill/>
+        </p:spPr>
+        <p:txBody>
+          <a:bodyPr wrap="square" rtlCol="0">
+            <a:spAutoFit/>
+          </a:bodyPr>
+          <a:p>
+            <a:pPr marL="342900" indent="-342900" algn="l">
+              <a:buFont typeface="Arial" panose="020B0604020202020204" pitchFamily="34" charset="0"/>
+              <a:buChar char="•"/>
+            </a:pPr>
+            <a:r>
+              <a:rPr lang="en-US" sz="2400"/>
+              <a:t>2016</a:t>
+            </a:r>
+            <a:r>
+              <a:rPr lang="zh-CN" altLang="en-US" sz="2400"/>
+              <a:t>年，成立了边缘产业联盟，发布《边缘产业联盟</a:t>
+            </a:r>
+            <a:r>
+              <a:rPr lang="zh-CN" altLang="en-US" sz="2400"/>
+              <a:t>白皮书》</a:t>
+            </a:r>
+            <a:endParaRPr sz="2400"/>
+          </a:p>
+          <a:p>
+            <a:pPr marL="342900" indent="-342900" algn="l">
+              <a:buFont typeface="Arial" panose="020B0604020202020204" pitchFamily="34" charset="0"/>
+              <a:buChar char="•"/>
+            </a:pPr>
+            <a:endParaRPr sz="2400"/>
+          </a:p>
+          <a:p>
+            <a:pPr marL="342900" indent="-342900" algn="l">
+              <a:buFont typeface="Arial" panose="020B0604020202020204" pitchFamily="34" charset="0"/>
+              <a:buChar char="•"/>
+            </a:pPr>
+            <a:r>
+              <a:rPr sz="2400"/>
+              <a:t>201</a:t>
+            </a:r>
+            <a:r>
+              <a:rPr lang="en-US" sz="2400"/>
+              <a:t>7</a:t>
+            </a:r>
+            <a:r>
+              <a:rPr lang="zh-CN" altLang="en-US" sz="2400"/>
+              <a:t>年，发布《边缘计算参考架构</a:t>
+            </a:r>
+            <a:r>
+              <a:rPr lang="en-US" altLang="zh-CN" sz="2400"/>
+              <a:t>2.0</a:t>
+            </a:r>
+            <a:r>
+              <a:rPr lang="zh-CN" altLang="en-US" sz="2400"/>
+              <a:t>》</a:t>
+            </a:r>
+            <a:endParaRPr lang="zh-CN" altLang="en-US" sz="2400"/>
+          </a:p>
+          <a:p>
+            <a:pPr marL="342900" indent="-342900" algn="l">
+              <a:buFont typeface="Arial" panose="020B0604020202020204" pitchFamily="34" charset="0"/>
+              <a:buChar char="•"/>
+            </a:pPr>
+            <a:endParaRPr lang="zh-CN" altLang="en-US" sz="2400"/>
+          </a:p>
+          <a:p>
+            <a:pPr marL="342900" indent="-342900" algn="l">
+              <a:buFont typeface="Arial" panose="020B0604020202020204" pitchFamily="34" charset="0"/>
+              <a:buChar char="•"/>
+            </a:pPr>
+            <a:r>
+              <a:rPr lang="en-US" altLang="en-US" sz="2400"/>
+              <a:t>2017年5月</a:t>
+            </a:r>
+            <a:r>
+              <a:rPr lang="zh-CN" altLang="en-US" sz="2400"/>
+              <a:t>，</a:t>
+            </a:r>
+            <a:r>
+              <a:rPr lang="en-US" altLang="en-US" sz="2400"/>
+              <a:t>首届中国边缘计算技术研讨会在合肥开幕</a:t>
+            </a:r>
+            <a:endParaRPr lang="en-US" altLang="en-US" sz="2400"/>
+          </a:p>
+          <a:p>
+            <a:pPr marL="342900" indent="-342900" algn="l">
+              <a:buFont typeface="Arial" panose="020B0604020202020204" pitchFamily="34" charset="0"/>
+              <a:buChar char="•"/>
+            </a:pPr>
+            <a:endParaRPr lang="en-US" altLang="en-US" sz="2400"/>
+          </a:p>
+          <a:p>
+            <a:pPr marL="342900" indent="-342900" algn="l">
+              <a:buFont typeface="Arial" panose="020B0604020202020204" pitchFamily="34" charset="0"/>
+              <a:buChar char="•"/>
+            </a:pPr>
+            <a:r>
+              <a:rPr lang="en-US" altLang="en-US" sz="2400"/>
+              <a:t>2017年8月</a:t>
+            </a:r>
+            <a:r>
+              <a:rPr lang="zh-CN" altLang="en-US" sz="2400"/>
+              <a:t>，</a:t>
+            </a:r>
+            <a:r>
+              <a:rPr lang="en-US" altLang="en-US" sz="2400"/>
+              <a:t>中国自动化学会边缘计算专委会成立，标志着边缘计算的发展已经得到了专业学会的认可和推动.</a:t>
+            </a:r>
+            <a:endParaRPr lang="en-US" altLang="en-US" sz="2400"/>
+          </a:p>
+          <a:p>
+            <a:pPr marL="342900" indent="-342900" algn="l">
+              <a:buFont typeface="Arial" panose="020B0604020202020204" pitchFamily="34" charset="0"/>
+              <a:buChar char="•"/>
+            </a:pPr>
+            <a:endParaRPr lang="en-US" altLang="en-US" sz="2400"/>
+          </a:p>
+          <a:p>
+            <a:pPr marL="342900" indent="-342900" algn="l">
+              <a:buFont typeface="Arial" panose="020B0604020202020204" pitchFamily="34" charset="0"/>
+              <a:buChar char="•"/>
+            </a:pPr>
+            <a:r>
+              <a:rPr lang="en-US" altLang="en-US" sz="2400"/>
+              <a:t>2018</a:t>
+            </a:r>
+            <a:r>
+              <a:rPr lang="zh-CN" altLang="en-US" sz="2400"/>
+              <a:t>年，发布《边缘计算参考架构</a:t>
+            </a:r>
+            <a:r>
+              <a:rPr lang="en-US" altLang="zh-CN" sz="2400"/>
+              <a:t>3.0</a:t>
+            </a:r>
+            <a:r>
+              <a:rPr lang="zh-CN" altLang="en-US" sz="2400"/>
+              <a:t>》</a:t>
+            </a:r>
+            <a:endParaRPr lang="zh-CN" altLang="en-US" sz="2400"/>
+          </a:p>
+          <a:p>
+            <a:pPr marL="342900" indent="-342900" algn="l">
+              <a:buFont typeface="Arial" panose="020B0604020202020204" pitchFamily="34" charset="0"/>
+              <a:buChar char="•"/>
+            </a:pPr>
+            <a:endParaRPr lang="en-US" sz="2400"/>
+          </a:p>
+          <a:p>
+            <a:pPr marL="342900" indent="-342900" algn="l">
+              <a:buFont typeface="Arial" panose="020B0604020202020204" pitchFamily="34" charset="0"/>
+              <a:buChar char="•"/>
+            </a:pPr>
+            <a:r>
+              <a:rPr lang="zh-CN" sz="2400"/>
+              <a:t>2018年8月，两年一度的全国计算机体系结构学术年会以“由云到端的智能架构”为主题。</a:t>
+            </a:r>
+            <a:endParaRPr lang="zh-CN" sz="2400"/>
+          </a:p>
+          <a:p>
+            <a:pPr marL="342900" indent="-342900" algn="l">
+              <a:buFont typeface="Arial" panose="020B0604020202020204" pitchFamily="34" charset="0"/>
+              <a:buChar char="•"/>
+            </a:pPr>
+            <a:endParaRPr lang="zh-CN" sz="2400"/>
+          </a:p>
+        </p:txBody>
+      </p:sp>
+    </p:spTree>
+  </p:cSld>
+  <p:clrMapOvr>
+    <a:masterClrMapping/>
+  </p:clrMapOvr>
+  <p:transition spd="slow" advClick="0" advTm="0">
+    <p:wipe/>
+  </p:transition>
+  <p:timing>
+    <p:tnLst>
+      <p:par>
+        <p:cTn id="1" dur="indefinite" restart="never" nodeType="tmRoot"/>
+      </p:par>
+    </p:tnLst>
+  </p:timing>
+</p:sld>
+</file>
+
+<file path=ppt/slides/slide13.xml><?xml version="1.0" encoding="utf-8"?>
+<p:sld xmlns:a="http://schemas.openxmlformats.org/drawingml/2006/main" xmlns:r="http://schemas.openxmlformats.org/officeDocument/2006/relationships" xmlns:p="http://schemas.openxmlformats.org/presentationml/2006/main">
+  <p:cSld>
+    <p:spTree>
+      <p:nvGrpSpPr>
+        <p:cNvPr id="1" name=""/>
+        <p:cNvGrpSpPr/>
+        <p:nvPr/>
+      </p:nvGrpSpPr>
+      <p:grpSpPr>
+        <a:xfrm>
+          <a:off x="0" y="0"/>
+          <a:ext cx="0" cy="0"/>
+          <a:chOff x="0" y="0"/>
+          <a:chExt cx="0" cy="0"/>
+        </a:xfrm>
+      </p:grpSpPr>
+      <p:sp>
+        <p:nvSpPr>
+          <p:cNvPr id="3" name="文本框 2"/>
+          <p:cNvSpPr txBox="1"/>
+          <p:nvPr/>
+        </p:nvSpPr>
+        <p:spPr>
+          <a:xfrm>
             <a:off x="1213674" y="171332"/>
             <a:ext cx="3287240" cy="521970"/>
           </a:xfrm>
@@ -6641,7 +7072,7 @@
 </p:sld>
 </file>
 
-<file path=ppt/slides/slide13.xml><?xml version="1.0" encoding="utf-8"?>
+<file path=ppt/slides/slide14.xml><?xml version="1.0" encoding="utf-8"?>
 <p:sld xmlns:a="http://schemas.openxmlformats.org/drawingml/2006/main" xmlns:r="http://schemas.openxmlformats.org/officeDocument/2006/relationships" xmlns:p="http://schemas.openxmlformats.org/presentationml/2006/main">
   <p:cSld>
     <p:spTree>
@@ -6773,7 +7204,7 @@
           </a:bodyPr>
           <a:p>
             <a:pPr marL="342900" indent="-342900" algn="l">
-              <a:buFont typeface="Arial" panose="020B0604020202090204" pitchFamily="34" charset="0"/>
+              <a:buFont typeface="Arial" panose="020B0604020202020204" pitchFamily="34" charset="0"/>
               <a:buChar char="•"/>
             </a:pPr>
             <a:r>
@@ -6784,14 +7215,14 @@
           </a:p>
           <a:p>
             <a:pPr marL="342900" indent="-342900" algn="l">
-              <a:buFont typeface="Arial" panose="020B0604020202090204" pitchFamily="34" charset="0"/>
+              <a:buFont typeface="Arial" panose="020B0604020202020204" pitchFamily="34" charset="0"/>
               <a:buChar char="•"/>
             </a:pPr>
             <a:endParaRPr sz="2400"/>
           </a:p>
           <a:p>
             <a:pPr marL="342900" indent="-342900" algn="l">
-              <a:buFont typeface="Arial" panose="020B0604020202090204" pitchFamily="34" charset="0"/>
+              <a:buFont typeface="Arial" panose="020B0604020202020204" pitchFamily="34" charset="0"/>
               <a:buChar char="•"/>
             </a:pPr>
             <a:r>
@@ -6802,14 +7233,14 @@
           </a:p>
           <a:p>
             <a:pPr marL="342900" indent="-342900" algn="l">
-              <a:buFont typeface="Arial" panose="020B0604020202090204" pitchFamily="34" charset="0"/>
+              <a:buFont typeface="Arial" panose="020B0604020202020204" pitchFamily="34" charset="0"/>
               <a:buChar char="•"/>
             </a:pPr>
             <a:endParaRPr lang="zh-CN" sz="2400"/>
           </a:p>
           <a:p>
             <a:pPr marL="342900" indent="-342900" algn="l">
-              <a:buFont typeface="Arial" panose="020B0604020202090204" pitchFamily="34" charset="0"/>
+              <a:buFont typeface="Arial" panose="020B0604020202020204" pitchFamily="34" charset="0"/>
               <a:buChar char="•"/>
             </a:pPr>
             <a:r>
@@ -6820,14 +7251,14 @@
           </a:p>
           <a:p>
             <a:pPr marL="342900" indent="-342900" algn="l">
-              <a:buFont typeface="Arial" panose="020B0604020202090204" pitchFamily="34" charset="0"/>
+              <a:buFont typeface="Arial" panose="020B0604020202020204" pitchFamily="34" charset="0"/>
               <a:buChar char="•"/>
             </a:pPr>
             <a:endParaRPr lang="zh-CN" sz="2400"/>
           </a:p>
           <a:p>
             <a:pPr marL="342900" indent="-342900" algn="l">
-              <a:buFont typeface="Arial" panose="020B0604020202090204" pitchFamily="34" charset="0"/>
+              <a:buFont typeface="Arial" panose="020B0604020202020204" pitchFamily="34" charset="0"/>
               <a:buChar char="•"/>
             </a:pPr>
             <a:r>
@@ -6838,14 +7269,14 @@
           </a:p>
           <a:p>
             <a:pPr marL="342900" indent="-342900" algn="l">
-              <a:buFont typeface="Arial" panose="020B0604020202090204" pitchFamily="34" charset="0"/>
+              <a:buFont typeface="Arial" panose="020B0604020202020204" pitchFamily="34" charset="0"/>
               <a:buChar char="•"/>
             </a:pPr>
             <a:endParaRPr lang="zh-CN" sz="2400"/>
           </a:p>
           <a:p>
             <a:pPr marL="342900" indent="-342900" algn="l">
-              <a:buFont typeface="Arial" panose="020B0604020202090204" pitchFamily="34" charset="0"/>
+              <a:buFont typeface="Arial" panose="020B0604020202020204" pitchFamily="34" charset="0"/>
               <a:buChar char="•"/>
             </a:pPr>
             <a:r>
@@ -6856,14 +7287,14 @@
           </a:p>
           <a:p>
             <a:pPr marL="342900" indent="-342900" algn="l">
-              <a:buFont typeface="Arial" panose="020B0604020202090204" pitchFamily="34" charset="0"/>
+              <a:buFont typeface="Arial" panose="020B0604020202020204" pitchFamily="34" charset="0"/>
               <a:buChar char="•"/>
             </a:pPr>
             <a:endParaRPr lang="zh-CN" sz="2400"/>
           </a:p>
           <a:p>
             <a:pPr marL="342900" indent="-342900" algn="l">
-              <a:buFont typeface="Arial" panose="020B0604020202090204" pitchFamily="34" charset="0"/>
+              <a:buFont typeface="Arial" panose="020B0604020202020204" pitchFamily="34" charset="0"/>
               <a:buChar char="•"/>
             </a:pPr>
             <a:r>
@@ -6874,7 +7305,7 @@
           </a:p>
           <a:p>
             <a:pPr marL="342900" indent="-342900" algn="l">
-              <a:buFont typeface="Arial" panose="020B0604020202090204" pitchFamily="34" charset="0"/>
+              <a:buFont typeface="Arial" panose="020B0604020202020204" pitchFamily="34" charset="0"/>
               <a:buChar char="•"/>
             </a:pPr>
             <a:endParaRPr lang="zh-CN" sz="2400"/>
@@ -6899,7 +7330,7 @@
 </p:sld>
 </file>
 
-<file path=ppt/slides/slide14.xml><?xml version="1.0" encoding="utf-8"?>
+<file path=ppt/slides/slide15.xml><?xml version="1.0" encoding="utf-8"?>
 <p:sld xmlns:a="http://schemas.openxmlformats.org/drawingml/2006/main" xmlns:r="http://schemas.openxmlformats.org/officeDocument/2006/relationships" xmlns:p="http://schemas.openxmlformats.org/presentationml/2006/main">
   <p:cSld>
     <p:spTree>
@@ -7496,8 +7927,8 @@
                 <a:solidFill>
                   <a:schemeClr val="tx1"/>
                 </a:solidFill>
-                <a:latin typeface="Arial" panose="020B0604020202090204" pitchFamily="34" charset="0"/>
-                <a:ea typeface="SimSun" pitchFamily="2" charset="-122"/>
+                <a:latin typeface="Arial" panose="020B0604020202020204" pitchFamily="34" charset="0"/>
+                <a:ea typeface="宋体" panose="02010600030101010101" pitchFamily="2" charset="-122"/>
               </a:defRPr>
             </a:lvl1pPr>
             <a:lvl2pPr marL="742950" indent="-285750" eaLnBrk="0" hangingPunct="0">
@@ -7505,8 +7936,8 @@
                 <a:solidFill>
                   <a:schemeClr val="tx1"/>
                 </a:solidFill>
-                <a:latin typeface="Arial" panose="020B0604020202090204" pitchFamily="34" charset="0"/>
-                <a:ea typeface="SimSun" pitchFamily="2" charset="-122"/>
+                <a:latin typeface="Arial" panose="020B0604020202020204" pitchFamily="34" charset="0"/>
+                <a:ea typeface="宋体" panose="02010600030101010101" pitchFamily="2" charset="-122"/>
               </a:defRPr>
             </a:lvl2pPr>
             <a:lvl3pPr marL="1143000" indent="-228600" eaLnBrk="0" hangingPunct="0">
@@ -7514,8 +7945,8 @@
                 <a:solidFill>
                   <a:schemeClr val="tx1"/>
                 </a:solidFill>
-                <a:latin typeface="Arial" panose="020B0604020202090204" pitchFamily="34" charset="0"/>
-                <a:ea typeface="SimSun" pitchFamily="2" charset="-122"/>
+                <a:latin typeface="Arial" panose="020B0604020202020204" pitchFamily="34" charset="0"/>
+                <a:ea typeface="宋体" panose="02010600030101010101" pitchFamily="2" charset="-122"/>
               </a:defRPr>
             </a:lvl3pPr>
             <a:lvl4pPr marL="1600200" indent="-228600" eaLnBrk="0" hangingPunct="0">
@@ -7523,8 +7954,8 @@
                 <a:solidFill>
                   <a:schemeClr val="tx1"/>
                 </a:solidFill>
-                <a:latin typeface="Arial" panose="020B0604020202090204" pitchFamily="34" charset="0"/>
-                <a:ea typeface="SimSun" pitchFamily="2" charset="-122"/>
+                <a:latin typeface="Arial" panose="020B0604020202020204" pitchFamily="34" charset="0"/>
+                <a:ea typeface="宋体" panose="02010600030101010101" pitchFamily="2" charset="-122"/>
               </a:defRPr>
             </a:lvl4pPr>
             <a:lvl5pPr marL="2057400" indent="-228600" eaLnBrk="0" hangingPunct="0">
@@ -7532,8 +7963,8 @@
                 <a:solidFill>
                   <a:schemeClr val="tx1"/>
                 </a:solidFill>
-                <a:latin typeface="Arial" panose="020B0604020202090204" pitchFamily="34" charset="0"/>
-                <a:ea typeface="SimSun" pitchFamily="2" charset="-122"/>
+                <a:latin typeface="Arial" panose="020B0604020202020204" pitchFamily="34" charset="0"/>
+                <a:ea typeface="宋体" panose="02010600030101010101" pitchFamily="2" charset="-122"/>
               </a:defRPr>
             </a:lvl5pPr>
             <a:lvl6pPr marL="2514600" indent="-228600" eaLnBrk="0" fontAlgn="base" hangingPunct="0">
@@ -7547,8 +7978,8 @@
                 <a:solidFill>
                   <a:schemeClr val="tx1"/>
                 </a:solidFill>
-                <a:latin typeface="Arial" panose="020B0604020202090204" pitchFamily="34" charset="0"/>
-                <a:ea typeface="SimSun" pitchFamily="2" charset="-122"/>
+                <a:latin typeface="Arial" panose="020B0604020202020204" pitchFamily="34" charset="0"/>
+                <a:ea typeface="宋体" panose="02010600030101010101" pitchFamily="2" charset="-122"/>
               </a:defRPr>
             </a:lvl6pPr>
             <a:lvl7pPr marL="2971800" indent="-228600" eaLnBrk="0" fontAlgn="base" hangingPunct="0">
@@ -7562,8 +7993,8 @@
                 <a:solidFill>
                   <a:schemeClr val="tx1"/>
                 </a:solidFill>
-                <a:latin typeface="Arial" panose="020B0604020202090204" pitchFamily="34" charset="0"/>
-                <a:ea typeface="SimSun" pitchFamily="2" charset="-122"/>
+                <a:latin typeface="Arial" panose="020B0604020202020204" pitchFamily="34" charset="0"/>
+                <a:ea typeface="宋体" panose="02010600030101010101" pitchFamily="2" charset="-122"/>
               </a:defRPr>
             </a:lvl7pPr>
             <a:lvl8pPr marL="3429000" indent="-228600" eaLnBrk="0" fontAlgn="base" hangingPunct="0">
@@ -7577,8 +8008,8 @@
                 <a:solidFill>
                   <a:schemeClr val="tx1"/>
                 </a:solidFill>
-                <a:latin typeface="Arial" panose="020B0604020202090204" pitchFamily="34" charset="0"/>
-                <a:ea typeface="SimSun" pitchFamily="2" charset="-122"/>
+                <a:latin typeface="Arial" panose="020B0604020202020204" pitchFamily="34" charset="0"/>
+                <a:ea typeface="宋体" panose="02010600030101010101" pitchFamily="2" charset="-122"/>
               </a:defRPr>
             </a:lvl8pPr>
             <a:lvl9pPr marL="3886200" indent="-228600" eaLnBrk="0" fontAlgn="base" hangingPunct="0">
@@ -7592,8 +8023,8 @@
                 <a:solidFill>
                   <a:schemeClr val="tx1"/>
                 </a:solidFill>
-                <a:latin typeface="Arial" panose="020B0604020202090204" pitchFamily="34" charset="0"/>
-                <a:ea typeface="SimSun" pitchFamily="2" charset="-122"/>
+                <a:latin typeface="Arial" panose="020B0604020202020204" pitchFamily="34" charset="0"/>
+                <a:ea typeface="宋体" panose="02010600030101010101" pitchFamily="2" charset="-122"/>
               </a:defRPr>
             </a:lvl9pPr>
           </a:lstStyle>
@@ -8389,7 +8820,7 @@
 </p:sld>
 </file>
 
-<file path=ppt/slides/slide15.xml><?xml version="1.0" encoding="utf-8"?>
+<file path=ppt/slides/slide16.xml><?xml version="1.0" encoding="utf-8"?>
 <p:sld xmlns:a="http://schemas.openxmlformats.org/drawingml/2006/main" xmlns:r="http://schemas.openxmlformats.org/officeDocument/2006/relationships" xmlns:p="http://schemas.openxmlformats.org/presentationml/2006/main">
   <p:cSld>
     <p:spTree>
@@ -8574,7 +9005,7 @@
           </a:bodyPr>
           <a:p>
             <a:pPr marL="342900" indent="-342900" algn="l">
-              <a:buFont typeface="Arial" panose="020B0604020202090204" pitchFamily="34" charset="0"/>
+              <a:buFont typeface="Arial" panose="020B0604020202020204" pitchFamily="34" charset="0"/>
               <a:buChar char="•"/>
             </a:pPr>
             <a:r>
@@ -8585,14 +9016,14 @@
           </a:p>
           <a:p>
             <a:pPr marL="342900" indent="-342900" algn="l">
-              <a:buFont typeface="Arial" panose="020B0604020202090204" pitchFamily="34" charset="0"/>
+              <a:buFont typeface="Arial" panose="020B0604020202020204" pitchFamily="34" charset="0"/>
               <a:buChar char="•"/>
             </a:pPr>
             <a:endParaRPr sz="2400"/>
           </a:p>
           <a:p>
             <a:pPr marL="342900" indent="-342900" algn="l">
-              <a:buFont typeface="Arial" panose="020B0604020202090204" pitchFamily="34" charset="0"/>
+              <a:buFont typeface="Arial" panose="020B0604020202020204" pitchFamily="34" charset="0"/>
               <a:buChar char="•"/>
             </a:pPr>
             <a:r>
@@ -8603,14 +9034,14 @@
           </a:p>
           <a:p>
             <a:pPr marL="342900" indent="-342900" algn="l">
-              <a:buFont typeface="Arial" panose="020B0604020202090204" pitchFamily="34" charset="0"/>
+              <a:buFont typeface="Arial" panose="020B0604020202020204" pitchFamily="34" charset="0"/>
               <a:buChar char="•"/>
             </a:pPr>
             <a:endParaRPr lang="zh-CN" sz="2400"/>
           </a:p>
           <a:p>
             <a:pPr marL="342900" indent="-342900" algn="l">
-              <a:buFont typeface="Arial" panose="020B0604020202090204" pitchFamily="34" charset="0"/>
+              <a:buFont typeface="Arial" panose="020B0604020202020204" pitchFamily="34" charset="0"/>
               <a:buChar char="•"/>
             </a:pPr>
             <a:r>
@@ -8621,14 +9052,14 @@
           </a:p>
           <a:p>
             <a:pPr marL="342900" indent="-342900" algn="l">
-              <a:buFont typeface="Arial" panose="020B0604020202090204" pitchFamily="34" charset="0"/>
+              <a:buFont typeface="Arial" panose="020B0604020202020204" pitchFamily="34" charset="0"/>
               <a:buChar char="•"/>
             </a:pPr>
             <a:endParaRPr lang="zh-CN" sz="2400"/>
           </a:p>
           <a:p>
             <a:pPr marL="342900" indent="-342900" algn="l">
-              <a:buFont typeface="Arial" panose="020B0604020202090204" pitchFamily="34" charset="0"/>
+              <a:buFont typeface="Arial" panose="020B0604020202020204" pitchFamily="34" charset="0"/>
               <a:buChar char="•"/>
             </a:pPr>
             <a:r>
@@ -8777,7 +9208,7 @@
 </p:sld>
 </file>
 
-<file path=ppt/slides/slide16.xml><?xml version="1.0" encoding="utf-8"?>
+<file path=ppt/slides/slide17.xml><?xml version="1.0" encoding="utf-8"?>
 <p:sld xmlns:a="http://schemas.openxmlformats.org/drawingml/2006/main" xmlns:r="http://schemas.openxmlformats.org/officeDocument/2006/relationships" xmlns:p="http://schemas.openxmlformats.org/presentationml/2006/main">
   <p:cSld>
     <p:spTree>
@@ -8962,7 +9393,7 @@
           </a:bodyPr>
           <a:p>
             <a:pPr marL="342900" indent="-342900" algn="l">
-              <a:buFont typeface="Arial" panose="020B0604020202090204" pitchFamily="34" charset="0"/>
+              <a:buFont typeface="Arial" panose="020B0604020202020204" pitchFamily="34" charset="0"/>
               <a:buChar char="•"/>
             </a:pPr>
             <a:r>
@@ -8973,14 +9404,14 @@
           </a:p>
           <a:p>
             <a:pPr marL="342900" indent="-342900" algn="l">
-              <a:buFont typeface="Arial" panose="020B0604020202090204" pitchFamily="34" charset="0"/>
+              <a:buFont typeface="Arial" panose="020B0604020202020204" pitchFamily="34" charset="0"/>
               <a:buChar char="•"/>
             </a:pPr>
             <a:endParaRPr sz="2400"/>
           </a:p>
           <a:p>
             <a:pPr marL="342900" indent="-342900" algn="l">
-              <a:buFont typeface="Arial" panose="020B0604020202090204" pitchFamily="34" charset="0"/>
+              <a:buFont typeface="Arial" panose="020B0604020202020204" pitchFamily="34" charset="0"/>
               <a:buChar char="•"/>
             </a:pPr>
             <a:r>
@@ -8991,14 +9422,14 @@
           </a:p>
           <a:p>
             <a:pPr marL="342900" indent="-342900" algn="l">
-              <a:buFont typeface="Arial" panose="020B0604020202090204" pitchFamily="34" charset="0"/>
+              <a:buFont typeface="Arial" panose="020B0604020202020204" pitchFamily="34" charset="0"/>
               <a:buChar char="•"/>
             </a:pPr>
             <a:endParaRPr lang="zh-CN" sz="2400"/>
           </a:p>
           <a:p>
             <a:pPr marL="342900" indent="-342900" algn="l">
-              <a:buFont typeface="Arial" panose="020B0604020202090204" pitchFamily="34" charset="0"/>
+              <a:buFont typeface="Arial" panose="020B0604020202020204" pitchFamily="34" charset="0"/>
               <a:buChar char="•"/>
             </a:pPr>
             <a:r>
@@ -9009,7 +9440,7 @@
           </a:p>
           <a:p>
             <a:pPr marL="342900" indent="-342900" algn="l">
-              <a:buFont typeface="Arial" panose="020B0604020202090204" pitchFamily="34" charset="0"/>
+              <a:buFont typeface="Arial" panose="020B0604020202020204" pitchFamily="34" charset="0"/>
               <a:buChar char="•"/>
             </a:pPr>
             <a:endParaRPr lang="zh-CN" sz="2400"/>
@@ -9154,7 +9585,7 @@
 </p:sld>
 </file>
 
-<file path=ppt/slides/slide17.xml><?xml version="1.0" encoding="utf-8"?>
+<file path=ppt/slides/slide18.xml><?xml version="1.0" encoding="utf-8"?>
 <p:sld xmlns:a="http://schemas.openxmlformats.org/drawingml/2006/main" xmlns:r="http://schemas.openxmlformats.org/officeDocument/2006/relationships" xmlns:p="http://schemas.openxmlformats.org/presentationml/2006/main">
   <p:cSld>
     <p:spTree>
@@ -12655,8 +13086,8 @@
                 <a:solidFill>
                   <a:schemeClr val="tx1"/>
                 </a:solidFill>
-                <a:latin typeface="Arial" panose="020B0604020202090204" pitchFamily="34" charset="0"/>
-                <a:ea typeface="SimSun" pitchFamily="2" charset="-122"/>
+                <a:latin typeface="Arial" panose="020B0604020202020204" pitchFamily="34" charset="0"/>
+                <a:ea typeface="宋体" panose="02010600030101010101" pitchFamily="2" charset="-122"/>
               </a:defRPr>
             </a:lvl1pPr>
             <a:lvl2pPr marL="742950" indent="-285750" eaLnBrk="0" hangingPunct="0">
@@ -12664,8 +13095,8 @@
                 <a:solidFill>
                   <a:schemeClr val="tx1"/>
                 </a:solidFill>
-                <a:latin typeface="Arial" panose="020B0604020202090204" pitchFamily="34" charset="0"/>
-                <a:ea typeface="SimSun" pitchFamily="2" charset="-122"/>
+                <a:latin typeface="Arial" panose="020B0604020202020204" pitchFamily="34" charset="0"/>
+                <a:ea typeface="宋体" panose="02010600030101010101" pitchFamily="2" charset="-122"/>
               </a:defRPr>
             </a:lvl2pPr>
             <a:lvl3pPr marL="1143000" indent="-228600" eaLnBrk="0" hangingPunct="0">
@@ -12673,8 +13104,8 @@
                 <a:solidFill>
                   <a:schemeClr val="tx1"/>
                 </a:solidFill>
-                <a:latin typeface="Arial" panose="020B0604020202090204" pitchFamily="34" charset="0"/>
-                <a:ea typeface="SimSun" pitchFamily="2" charset="-122"/>
+                <a:latin typeface="Arial" panose="020B0604020202020204" pitchFamily="34" charset="0"/>
+                <a:ea typeface="宋体" panose="02010600030101010101" pitchFamily="2" charset="-122"/>
               </a:defRPr>
             </a:lvl3pPr>
             <a:lvl4pPr marL="1600200" indent="-228600" eaLnBrk="0" hangingPunct="0">
@@ -12682,8 +13113,8 @@
                 <a:solidFill>
                   <a:schemeClr val="tx1"/>
                 </a:solidFill>
-                <a:latin typeface="Arial" panose="020B0604020202090204" pitchFamily="34" charset="0"/>
-                <a:ea typeface="SimSun" pitchFamily="2" charset="-122"/>
+                <a:latin typeface="Arial" panose="020B0604020202020204" pitchFamily="34" charset="0"/>
+                <a:ea typeface="宋体" panose="02010600030101010101" pitchFamily="2" charset="-122"/>
               </a:defRPr>
             </a:lvl4pPr>
             <a:lvl5pPr marL="2057400" indent="-228600" eaLnBrk="0" hangingPunct="0">
@@ -12691,8 +13122,8 @@
                 <a:solidFill>
                   <a:schemeClr val="tx1"/>
                 </a:solidFill>
-                <a:latin typeface="Arial" panose="020B0604020202090204" pitchFamily="34" charset="0"/>
-                <a:ea typeface="SimSun" pitchFamily="2" charset="-122"/>
+                <a:latin typeface="Arial" panose="020B0604020202020204" pitchFamily="34" charset="0"/>
+                <a:ea typeface="宋体" panose="02010600030101010101" pitchFamily="2" charset="-122"/>
               </a:defRPr>
             </a:lvl5pPr>
             <a:lvl6pPr marL="2514600" indent="-228600" eaLnBrk="0" fontAlgn="base" hangingPunct="0">
@@ -12706,8 +13137,8 @@
                 <a:solidFill>
                   <a:schemeClr val="tx1"/>
                 </a:solidFill>
-                <a:latin typeface="Arial" panose="020B0604020202090204" pitchFamily="34" charset="0"/>
-                <a:ea typeface="SimSun" pitchFamily="2" charset="-122"/>
+                <a:latin typeface="Arial" panose="020B0604020202020204" pitchFamily="34" charset="0"/>
+                <a:ea typeface="宋体" panose="02010600030101010101" pitchFamily="2" charset="-122"/>
               </a:defRPr>
             </a:lvl6pPr>
             <a:lvl7pPr marL="2971800" indent="-228600" eaLnBrk="0" fontAlgn="base" hangingPunct="0">
@@ -12721,8 +13152,8 @@
                 <a:solidFill>
                   <a:schemeClr val="tx1"/>
                 </a:solidFill>
-                <a:latin typeface="Arial" panose="020B0604020202090204" pitchFamily="34" charset="0"/>
-                <a:ea typeface="SimSun" pitchFamily="2" charset="-122"/>
+                <a:latin typeface="Arial" panose="020B0604020202020204" pitchFamily="34" charset="0"/>
+                <a:ea typeface="宋体" panose="02010600030101010101" pitchFamily="2" charset="-122"/>
               </a:defRPr>
             </a:lvl7pPr>
             <a:lvl8pPr marL="3429000" indent="-228600" eaLnBrk="0" fontAlgn="base" hangingPunct="0">
@@ -12736,8 +13167,8 @@
                 <a:solidFill>
                   <a:schemeClr val="tx1"/>
                 </a:solidFill>
-                <a:latin typeface="Arial" panose="020B0604020202090204" pitchFamily="34" charset="0"/>
-                <a:ea typeface="SimSun" pitchFamily="2" charset="-122"/>
+                <a:latin typeface="Arial" panose="020B0604020202020204" pitchFamily="34" charset="0"/>
+                <a:ea typeface="宋体" panose="02010600030101010101" pitchFamily="2" charset="-122"/>
               </a:defRPr>
             </a:lvl8pPr>
             <a:lvl9pPr marL="3886200" indent="-228600" eaLnBrk="0" fontAlgn="base" hangingPunct="0">
@@ -12751,8 +13182,8 @@
                 <a:solidFill>
                   <a:schemeClr val="tx1"/>
                 </a:solidFill>
-                <a:latin typeface="Arial" panose="020B0604020202090204" pitchFamily="34" charset="0"/>
-                <a:ea typeface="SimSun" pitchFamily="2" charset="-122"/>
+                <a:latin typeface="Arial" panose="020B0604020202020204" pitchFamily="34" charset="0"/>
+                <a:ea typeface="宋体" panose="02010600030101010101" pitchFamily="2" charset="-122"/>
               </a:defRPr>
             </a:lvl9pPr>
           </a:lstStyle>
@@ -14319,7 +14750,7 @@
           </a:bodyPr>
           <a:p>
             <a:pPr marL="342900" indent="-342900" algn="l">
-              <a:buFont typeface="Arial" panose="020B0604020202090204" pitchFamily="34" charset="0"/>
+              <a:buFont typeface="Arial" panose="020B0604020202020204" pitchFamily="34" charset="0"/>
               <a:buChar char="•"/>
             </a:pPr>
             <a:r>
@@ -14334,14 +14765,14 @@
           </a:p>
           <a:p>
             <a:pPr marL="342900" indent="-342900" algn="l">
-              <a:buFont typeface="Arial" panose="020B0604020202090204" pitchFamily="34" charset="0"/>
+              <a:buFont typeface="Arial" panose="020B0604020202020204" pitchFamily="34" charset="0"/>
               <a:buChar char="•"/>
             </a:pPr>
             <a:endParaRPr sz="2400"/>
           </a:p>
           <a:p>
             <a:pPr marL="342900" indent="-342900" algn="l">
-              <a:buFont typeface="Arial" panose="020B0604020202090204" pitchFamily="34" charset="0"/>
+              <a:buFont typeface="Arial" panose="020B0604020202020204" pitchFamily="34" charset="0"/>
               <a:buChar char="•"/>
             </a:pPr>
             <a:r>
@@ -14356,14 +14787,14 @@
           </a:p>
           <a:p>
             <a:pPr marL="342900" indent="-342900" algn="l">
-              <a:buFont typeface="Arial" panose="020B0604020202090204" pitchFamily="34" charset="0"/>
+              <a:buFont typeface="Arial" panose="020B0604020202020204" pitchFamily="34" charset="0"/>
               <a:buChar char="•"/>
             </a:pPr>
             <a:endParaRPr lang="zh-CN" sz="2400"/>
           </a:p>
           <a:p>
             <a:pPr marL="342900" indent="-342900" algn="l">
-              <a:buFont typeface="Arial" panose="020B0604020202090204" pitchFamily="34" charset="0"/>
+              <a:buFont typeface="Arial" panose="020B0604020202020204" pitchFamily="34" charset="0"/>
               <a:buChar char="•"/>
             </a:pPr>
             <a:r>
@@ -14701,7 +15132,7 @@
           </a:bodyPr>
           <a:p>
             <a:pPr marL="342900" indent="-342900" algn="l">
-              <a:buFont typeface="Arial" panose="020B0604020202090204" pitchFamily="34" charset="0"/>
+              <a:buFont typeface="Arial" panose="020B0604020202020204" pitchFamily="34" charset="0"/>
               <a:buChar char="•"/>
             </a:pPr>
             <a:r>
@@ -14716,14 +15147,14 @@
           </a:p>
           <a:p>
             <a:pPr marL="342900" indent="-342900" algn="l">
-              <a:buFont typeface="Arial" panose="020B0604020202090204" pitchFamily="34" charset="0"/>
+              <a:buFont typeface="Arial" panose="020B0604020202020204" pitchFamily="34" charset="0"/>
               <a:buChar char="•"/>
             </a:pPr>
             <a:endParaRPr lang="zh-CN" sz="2400"/>
           </a:p>
           <a:p>
             <a:pPr marL="342900" indent="-342900" algn="l">
-              <a:buFont typeface="Arial" panose="020B0604020202090204" pitchFamily="34" charset="0"/>
+              <a:buFont typeface="Arial" panose="020B0604020202020204" pitchFamily="34" charset="0"/>
               <a:buChar char="•"/>
             </a:pPr>
             <a:r>
@@ -14738,14 +15169,14 @@
           </a:p>
           <a:p>
             <a:pPr marL="342900" indent="-342900" algn="l">
-              <a:buFont typeface="Arial" panose="020B0604020202090204" pitchFamily="34" charset="0"/>
+              <a:buFont typeface="Arial" panose="020B0604020202020204" pitchFamily="34" charset="0"/>
               <a:buChar char="•"/>
             </a:pPr>
             <a:endParaRPr lang="zh-CN" sz="2400"/>
           </a:p>
           <a:p>
             <a:pPr marL="342900" indent="-342900" algn="l">
-              <a:buFont typeface="Arial" panose="020B0604020202090204" pitchFamily="34" charset="0"/>
+              <a:buFont typeface="Arial" panose="020B0604020202020204" pitchFamily="34" charset="0"/>
               <a:buChar char="•"/>
             </a:pPr>
             <a:r>
@@ -15083,7 +15514,7 @@
           </a:bodyPr>
           <a:p>
             <a:pPr marL="342900" indent="-342900" algn="l">
-              <a:buFont typeface="Arial" panose="020B0604020202090204" pitchFamily="34" charset="0"/>
+              <a:buFont typeface="Arial" panose="020B0604020202020204" pitchFamily="34" charset="0"/>
               <a:buChar char="•"/>
             </a:pPr>
             <a:r>
@@ -15094,14 +15525,14 @@
           </a:p>
           <a:p>
             <a:pPr marL="342900" indent="-342900" algn="l">
-              <a:buFont typeface="Arial" panose="020B0604020202090204" pitchFamily="34" charset="0"/>
+              <a:buFont typeface="Arial" panose="020B0604020202020204" pitchFamily="34" charset="0"/>
               <a:buChar char="•"/>
             </a:pPr>
             <a:endParaRPr lang="zh-CN" sz="2400"/>
           </a:p>
           <a:p>
             <a:pPr marL="342900" indent="-342900" algn="l">
-              <a:buFont typeface="Arial" panose="020B0604020202090204" pitchFamily="34" charset="0"/>
+              <a:buFont typeface="Arial" panose="020B0604020202020204" pitchFamily="34" charset="0"/>
               <a:buChar char="•"/>
             </a:pPr>
             <a:r>
@@ -15112,14 +15543,14 @@
           </a:p>
           <a:p>
             <a:pPr marL="342900" indent="-342900" algn="l">
-              <a:buFont typeface="Arial" panose="020B0604020202090204" pitchFamily="34" charset="0"/>
+              <a:buFont typeface="Arial" panose="020B0604020202020204" pitchFamily="34" charset="0"/>
               <a:buChar char="•"/>
             </a:pPr>
             <a:endParaRPr lang="zh-CN" sz="2400"/>
           </a:p>
           <a:p>
             <a:pPr marL="342900" indent="-342900" algn="l">
-              <a:buFont typeface="Arial" panose="020B0604020202090204" pitchFamily="34" charset="0"/>
+              <a:buFont typeface="Arial" panose="020B0604020202020204" pitchFamily="34" charset="0"/>
               <a:buChar char="•"/>
             </a:pPr>
             <a:r>
@@ -15130,14 +15561,14 @@
           </a:p>
           <a:p>
             <a:pPr marL="342900" indent="-342900" algn="l">
-              <a:buFont typeface="Arial" panose="020B0604020202090204" pitchFamily="34" charset="0"/>
+              <a:buFont typeface="Arial" panose="020B0604020202020204" pitchFamily="34" charset="0"/>
               <a:buChar char="•"/>
             </a:pPr>
             <a:endParaRPr lang="zh-CN" sz="2400"/>
           </a:p>
           <a:p>
             <a:pPr marL="342900" indent="-342900" algn="l">
-              <a:buFont typeface="Arial" panose="020B0604020202090204" pitchFamily="34" charset="0"/>
+              <a:buFont typeface="Arial" panose="020B0604020202020204" pitchFamily="34" charset="0"/>
               <a:buChar char="•"/>
             </a:pPr>
             <a:r>
@@ -15148,14 +15579,14 @@
           </a:p>
           <a:p>
             <a:pPr marL="342900" indent="-342900" algn="l">
-              <a:buFont typeface="Arial" panose="020B0604020202090204" pitchFamily="34" charset="0"/>
+              <a:buFont typeface="Arial" panose="020B0604020202020204" pitchFamily="34" charset="0"/>
               <a:buChar char="•"/>
             </a:pPr>
             <a:endParaRPr lang="zh-CN" sz="2400"/>
           </a:p>
           <a:p>
             <a:pPr marL="342900" indent="-342900" algn="l">
-              <a:buFont typeface="Arial" panose="020B0604020202090204" pitchFamily="34" charset="0"/>
+              <a:buFont typeface="Arial" panose="020B0604020202020204" pitchFamily="34" charset="0"/>
               <a:buChar char="•"/>
             </a:pPr>
             <a:r>
@@ -15166,14 +15597,14 @@
           </a:p>
           <a:p>
             <a:pPr marL="342900" indent="-342900" algn="l">
-              <a:buFont typeface="Arial" panose="020B0604020202090204" pitchFamily="34" charset="0"/>
+              <a:buFont typeface="Arial" panose="020B0604020202020204" pitchFamily="34" charset="0"/>
               <a:buChar char="•"/>
             </a:pPr>
             <a:endParaRPr lang="zh-CN" sz="2400"/>
           </a:p>
           <a:p>
             <a:pPr marL="342900" indent="-342900" algn="l">
-              <a:buFont typeface="Arial" panose="020B0604020202090204" pitchFamily="34" charset="0"/>
+              <a:buFont typeface="Arial" panose="020B0604020202020204" pitchFamily="34" charset="0"/>
               <a:buChar char="•"/>
             </a:pPr>
             <a:r>
@@ -15923,8 +16354,8 @@
                 <a:solidFill>
                   <a:schemeClr val="tx1"/>
                 </a:solidFill>
-                <a:latin typeface="Arial" panose="020B0604020202090204" pitchFamily="34" charset="0"/>
-                <a:ea typeface="SimSun" pitchFamily="2" charset="-122"/>
+                <a:latin typeface="Arial" panose="020B0604020202020204" pitchFamily="34" charset="0"/>
+                <a:ea typeface="宋体" panose="02010600030101010101" pitchFamily="2" charset="-122"/>
               </a:defRPr>
             </a:lvl1pPr>
             <a:lvl2pPr marL="742950" indent="-285750" eaLnBrk="0" hangingPunct="0">
@@ -15932,8 +16363,8 @@
                 <a:solidFill>
                   <a:schemeClr val="tx1"/>
                 </a:solidFill>
-                <a:latin typeface="Arial" panose="020B0604020202090204" pitchFamily="34" charset="0"/>
-                <a:ea typeface="SimSun" pitchFamily="2" charset="-122"/>
+                <a:latin typeface="Arial" panose="020B0604020202020204" pitchFamily="34" charset="0"/>
+                <a:ea typeface="宋体" panose="02010600030101010101" pitchFamily="2" charset="-122"/>
               </a:defRPr>
             </a:lvl2pPr>
             <a:lvl3pPr marL="1143000" indent="-228600" eaLnBrk="0" hangingPunct="0">
@@ -15941,8 +16372,8 @@
                 <a:solidFill>
                   <a:schemeClr val="tx1"/>
                 </a:solidFill>
-                <a:latin typeface="Arial" panose="020B0604020202090204" pitchFamily="34" charset="0"/>
-                <a:ea typeface="SimSun" pitchFamily="2" charset="-122"/>
+                <a:latin typeface="Arial" panose="020B0604020202020204" pitchFamily="34" charset="0"/>
+                <a:ea typeface="宋体" panose="02010600030101010101" pitchFamily="2" charset="-122"/>
               </a:defRPr>
             </a:lvl3pPr>
             <a:lvl4pPr marL="1600200" indent="-228600" eaLnBrk="0" hangingPunct="0">
@@ -15950,8 +16381,8 @@
                 <a:solidFill>
                   <a:schemeClr val="tx1"/>
                 </a:solidFill>
-                <a:latin typeface="Arial" panose="020B0604020202090204" pitchFamily="34" charset="0"/>
-                <a:ea typeface="SimSun" pitchFamily="2" charset="-122"/>
+                <a:latin typeface="Arial" panose="020B0604020202020204" pitchFamily="34" charset="0"/>
+                <a:ea typeface="宋体" panose="02010600030101010101" pitchFamily="2" charset="-122"/>
               </a:defRPr>
             </a:lvl4pPr>
             <a:lvl5pPr marL="2057400" indent="-228600" eaLnBrk="0" hangingPunct="0">
@@ -15959,8 +16390,8 @@
                 <a:solidFill>
                   <a:schemeClr val="tx1"/>
                 </a:solidFill>
-                <a:latin typeface="Arial" panose="020B0604020202090204" pitchFamily="34" charset="0"/>
-                <a:ea typeface="SimSun" pitchFamily="2" charset="-122"/>
+                <a:latin typeface="Arial" panose="020B0604020202020204" pitchFamily="34" charset="0"/>
+                <a:ea typeface="宋体" panose="02010600030101010101" pitchFamily="2" charset="-122"/>
               </a:defRPr>
             </a:lvl5pPr>
             <a:lvl6pPr marL="2514600" indent="-228600" eaLnBrk="0" fontAlgn="base" hangingPunct="0">
@@ -15974,8 +16405,8 @@
                 <a:solidFill>
                   <a:schemeClr val="tx1"/>
                 </a:solidFill>
-                <a:latin typeface="Arial" panose="020B0604020202090204" pitchFamily="34" charset="0"/>
-                <a:ea typeface="SimSun" pitchFamily="2" charset="-122"/>
+                <a:latin typeface="Arial" panose="020B0604020202020204" pitchFamily="34" charset="0"/>
+                <a:ea typeface="宋体" panose="02010600030101010101" pitchFamily="2" charset="-122"/>
               </a:defRPr>
             </a:lvl6pPr>
             <a:lvl7pPr marL="2971800" indent="-228600" eaLnBrk="0" fontAlgn="base" hangingPunct="0">
@@ -15989,8 +16420,8 @@
                 <a:solidFill>
                   <a:schemeClr val="tx1"/>
                 </a:solidFill>
-                <a:latin typeface="Arial" panose="020B0604020202090204" pitchFamily="34" charset="0"/>
-                <a:ea typeface="SimSun" pitchFamily="2" charset="-122"/>
+                <a:latin typeface="Arial" panose="020B0604020202020204" pitchFamily="34" charset="0"/>
+                <a:ea typeface="宋体" panose="02010600030101010101" pitchFamily="2" charset="-122"/>
               </a:defRPr>
             </a:lvl7pPr>
             <a:lvl8pPr marL="3429000" indent="-228600" eaLnBrk="0" fontAlgn="base" hangingPunct="0">
@@ -16004,8 +16435,8 @@
                 <a:solidFill>
                   <a:schemeClr val="tx1"/>
                 </a:solidFill>
-                <a:latin typeface="Arial" panose="020B0604020202090204" pitchFamily="34" charset="0"/>
-                <a:ea typeface="SimSun" pitchFamily="2" charset="-122"/>
+                <a:latin typeface="Arial" panose="020B0604020202020204" pitchFamily="34" charset="0"/>
+                <a:ea typeface="宋体" panose="02010600030101010101" pitchFamily="2" charset="-122"/>
               </a:defRPr>
             </a:lvl8pPr>
             <a:lvl9pPr marL="3886200" indent="-228600" eaLnBrk="0" fontAlgn="base" hangingPunct="0">
@@ -16019,8 +16450,8 @@
                 <a:solidFill>
                   <a:schemeClr val="tx1"/>
                 </a:solidFill>
-                <a:latin typeface="Arial" panose="020B0604020202090204" pitchFamily="34" charset="0"/>
-                <a:ea typeface="SimSun" pitchFamily="2" charset="-122"/>
+                <a:latin typeface="Arial" panose="020B0604020202020204" pitchFamily="34" charset="0"/>
+                <a:ea typeface="宋体" panose="02010600030101010101" pitchFamily="2" charset="-122"/>
               </a:defRPr>
             </a:lvl9pPr>
           </a:lstStyle>
@@ -17587,7 +18018,7 @@
           </a:bodyPr>
           <a:p>
             <a:pPr marL="342900" indent="-342900" algn="l">
-              <a:buFont typeface="Arial" panose="020B0604020202090204" pitchFamily="34" charset="0"/>
+              <a:buFont typeface="Arial" panose="020B0604020202020204" pitchFamily="34" charset="0"/>
               <a:buChar char="•"/>
             </a:pPr>
             <a:r>
@@ -17598,14 +18029,14 @@
           </a:p>
           <a:p>
             <a:pPr marL="342900" indent="-342900" algn="l">
-              <a:buFont typeface="Arial" panose="020B0604020202090204" pitchFamily="34" charset="0"/>
+              <a:buFont typeface="Arial" panose="020B0604020202020204" pitchFamily="34" charset="0"/>
               <a:buChar char="•"/>
             </a:pPr>
             <a:endParaRPr sz="2400"/>
           </a:p>
           <a:p>
             <a:pPr marL="342900" indent="-342900" algn="l">
-              <a:buFont typeface="Arial" panose="020B0604020202090204" pitchFamily="34" charset="0"/>
+              <a:buFont typeface="Arial" panose="020B0604020202020204" pitchFamily="34" charset="0"/>
               <a:buChar char="•"/>
             </a:pPr>
             <a:r>
@@ -17616,14 +18047,14 @@
           </a:p>
           <a:p>
             <a:pPr marL="342900" indent="-342900" algn="l">
-              <a:buFont typeface="Arial" panose="020B0604020202090204" pitchFamily="34" charset="0"/>
+              <a:buFont typeface="Arial" panose="020B0604020202020204" pitchFamily="34" charset="0"/>
               <a:buChar char="•"/>
             </a:pPr>
             <a:endParaRPr lang="zh-CN" sz="2400"/>
           </a:p>
           <a:p>
             <a:pPr marL="342900" indent="-342900" algn="l">
-              <a:buFont typeface="Arial" panose="020B0604020202090204" pitchFamily="34" charset="0"/>
+              <a:buFont typeface="Arial" panose="020B0604020202020204" pitchFamily="34" charset="0"/>
               <a:buChar char="•"/>
             </a:pPr>
             <a:r>
@@ -17634,14 +18065,14 @@
           </a:p>
           <a:p>
             <a:pPr marL="342900" indent="-342900" algn="l">
-              <a:buFont typeface="Arial" panose="020B0604020202090204" pitchFamily="34" charset="0"/>
+              <a:buFont typeface="Arial" panose="020B0604020202020204" pitchFamily="34" charset="0"/>
               <a:buChar char="•"/>
             </a:pPr>
             <a:endParaRPr lang="zh-CN" sz="2400"/>
           </a:p>
           <a:p>
             <a:pPr marL="342900" indent="-342900" algn="l">
-              <a:buFont typeface="Arial" panose="020B0604020202090204" pitchFamily="34" charset="0"/>
+              <a:buFont typeface="Arial" panose="020B0604020202020204" pitchFamily="34" charset="0"/>
               <a:buChar char="•"/>
             </a:pPr>
             <a:r>
@@ -17658,14 +18089,14 @@
           </a:p>
           <a:p>
             <a:pPr marL="342900" indent="-342900" algn="l">
-              <a:buFont typeface="Arial" panose="020B0604020202090204" pitchFamily="34" charset="0"/>
+              <a:buFont typeface="Arial" panose="020B0604020202020204" pitchFamily="34" charset="0"/>
               <a:buChar char="•"/>
             </a:pPr>
             <a:endParaRPr lang="zh-CN" sz="2400"/>
           </a:p>
           <a:p>
             <a:pPr marL="342900" indent="-342900" algn="l">
-              <a:buFont typeface="Arial" panose="020B0604020202090204" pitchFamily="34" charset="0"/>
+              <a:buFont typeface="Arial" panose="020B0604020202020204" pitchFamily="34" charset="0"/>
               <a:buChar char="•"/>
             </a:pPr>
             <a:r>
@@ -17822,6 +18253,12 @@
     </p:bldLst>
   </p:timing>
 </p:sld>
+</file>
+
+<file path=ppt/tags/tag1.xml><?xml version="1.0" encoding="utf-8"?>
+<p:tagLst xmlns:p="http://schemas.openxmlformats.org/presentationml/2006/main">
+  <p:tag name="COMMONDATA" val="eyJoZGlkIjoiOTkxNzQyN2FlNTFiMWZmOTY2MTg2YTk0ZTQ2ODVlMDYifQ=="/>
+</p:tagLst>
 </file>
 
 <file path=ppt/theme/theme1.xml><?xml version="1.0" encoding="utf-8"?>
